--- a/Training DKSH.pptx
+++ b/Training DKSH.pptx
@@ -275,7 +275,7 @@
           <a:p>
             <a:fld id="{4FE29A24-C6A1-4709-BC38-2DDCB4747FFE}" type="datetimeFigureOut">
               <a:rPr lang="en-US" smtClean="0"/>
-              <a:t>8/16/2023</a:t>
+              <a:t>8/17/2023</a:t>
             </a:fld>
             <a:endParaRPr lang="en-US"/>
           </a:p>
@@ -456,7 +456,7 @@
           <a:p>
             <a:fld id="{A6F3A845-D9AF-4DA2-A242-33EC7CD9BD1C}" type="datetimeFigureOut">
               <a:rPr lang="en-US" smtClean="0"/>
-              <a:t>8/16/2023</a:t>
+              <a:t>8/17/2023</a:t>
             </a:fld>
             <a:endParaRPr lang="en-US"/>
           </a:p>
@@ -4287,7 +4287,7 @@
           <a:p>
             <a:fld id="{F35B4666-2666-4423-87A7-ABE39A935348}" type="datetime1">
               <a:rPr lang="en-US" smtClean="0"/>
-              <a:t>8/16/2023</a:t>
+              <a:t>8/17/2023</a:t>
             </a:fld>
             <a:endParaRPr lang="en-US"/>
           </a:p>
@@ -4460,7 +4460,7 @@
           <a:p>
             <a:fld id="{5174D0A8-D9A9-4046-A6A9-1E49124F0CEA}" type="datetime1">
               <a:rPr lang="en-US" smtClean="0"/>
-              <a:t>8/16/2023</a:t>
+              <a:t>8/17/2023</a:t>
             </a:fld>
             <a:endParaRPr lang="en-US"/>
           </a:p>
@@ -4643,7 +4643,7 @@
           <a:p>
             <a:fld id="{14D7CEA5-7764-499B-AE0E-8CC2DDA282AA}" type="datetime1">
               <a:rPr lang="en-US" smtClean="0"/>
-              <a:t>8/16/2023</a:t>
+              <a:t>8/17/2023</a:t>
             </a:fld>
             <a:endParaRPr lang="en-US"/>
           </a:p>
@@ -4816,7 +4816,7 @@
           <a:p>
             <a:fld id="{B3C5EC6D-0E00-40D0-88D0-05D8D84EA32C}" type="datetime1">
               <a:rPr lang="en-US" smtClean="0"/>
-              <a:t>8/16/2023</a:t>
+              <a:t>8/17/2023</a:t>
             </a:fld>
             <a:endParaRPr lang="en-US"/>
           </a:p>
@@ -5065,7 +5065,7 @@
           <a:p>
             <a:fld id="{FBDA8AC2-F83F-4621-B77D-5EE741441B5A}" type="datetime1">
               <a:rPr lang="en-US" smtClean="0"/>
-              <a:t>8/16/2023</a:t>
+              <a:t>8/17/2023</a:t>
             </a:fld>
             <a:endParaRPr lang="en-US"/>
           </a:p>
@@ -5300,7 +5300,7 @@
           <a:p>
             <a:fld id="{01B671AA-2276-4EB7-A3C1-75B08A6A6A32}" type="datetime1">
               <a:rPr lang="en-US" smtClean="0"/>
-              <a:t>8/16/2023</a:t>
+              <a:t>8/17/2023</a:t>
             </a:fld>
             <a:endParaRPr lang="en-US"/>
           </a:p>
@@ -5670,7 +5670,7 @@
           <a:p>
             <a:fld id="{6C78B1E5-67F5-4CDB-A803-7031D05900BD}" type="datetime1">
               <a:rPr lang="en-US" smtClean="0"/>
-              <a:t>8/16/2023</a:t>
+              <a:t>8/17/2023</a:t>
             </a:fld>
             <a:endParaRPr lang="en-US"/>
           </a:p>
@@ -5791,7 +5791,7 @@
           <a:p>
             <a:fld id="{3E35E666-122D-4E3B-915F-42619334EE9F}" type="datetime1">
               <a:rPr lang="en-US" smtClean="0"/>
-              <a:t>8/16/2023</a:t>
+              <a:t>8/17/2023</a:t>
             </a:fld>
             <a:endParaRPr lang="en-US"/>
           </a:p>
@@ -5889,7 +5889,7 @@
           <a:p>
             <a:fld id="{4AEF5BCC-1EA8-405D-A2DB-AC7356761E0C}" type="datetime1">
               <a:rPr lang="en-US" smtClean="0"/>
-              <a:t>8/16/2023</a:t>
+              <a:t>8/17/2023</a:t>
             </a:fld>
             <a:endParaRPr lang="en-US"/>
           </a:p>
@@ -6169,7 +6169,7 @@
           <a:p>
             <a:fld id="{B14EB721-8B48-4E00-B31F-C9E9BDF472B0}" type="datetime1">
               <a:rPr lang="en-US" smtClean="0"/>
-              <a:t>8/16/2023</a:t>
+              <a:t>8/17/2023</a:t>
             </a:fld>
             <a:endParaRPr lang="en-US"/>
           </a:p>
@@ -6429,7 +6429,7 @@
           <a:p>
             <a:fld id="{8900E883-D510-43A4-AC02-830985A0789A}" type="datetime1">
               <a:rPr lang="en-US" smtClean="0"/>
-              <a:t>8/16/2023</a:t>
+              <a:t>8/17/2023</a:t>
             </a:fld>
             <a:endParaRPr lang="en-US"/>
           </a:p>
@@ -6645,7 +6645,7 @@
           <a:p>
             <a:fld id="{D52DE77B-6495-4C64-BA4A-39809FD4A467}" type="datetime1">
               <a:rPr lang="en-US" smtClean="0"/>
-              <a:t>8/16/2023</a:t>
+              <a:t>8/17/2023</a:t>
             </a:fld>
             <a:endParaRPr lang="en-US"/>
           </a:p>
@@ -9480,9 +9480,9 @@
         <p:grpSpPr>
           <a:xfrm>
             <a:off x="870061" y="572703"/>
-            <a:ext cx="3934405" cy="3998094"/>
+            <a:ext cx="4129956" cy="3998094"/>
             <a:chOff x="720722" y="492093"/>
-            <a:chExt cx="3934405" cy="3998094"/>
+            <a:chExt cx="4129956" cy="3998094"/>
           </a:xfrm>
         </p:grpSpPr>
         <p:sp>
@@ -9500,7 +9500,7 @@
           <p:spPr>
             <a:xfrm>
               <a:off x="720722" y="492093"/>
-              <a:ext cx="3934405" cy="369332"/>
+              <a:ext cx="4129956" cy="369332"/>
             </a:xfrm>
             <a:prstGeom prst="rect">
               <a:avLst/>
@@ -9521,7 +9521,7 @@
                     <a:schemeClr val="bg1"/>
                   </a:solidFill>
                 </a:rPr>
-                <a:t>3. Filter Context and Context Transition</a:t>
+                <a:t>2.3. Filter Context and Context Transition</a:t>
               </a:r>
             </a:p>
           </p:txBody>
@@ -18361,7 +18361,7 @@
                   <a:schemeClr val="bg1"/>
                 </a:solidFill>
               </a:rPr>
-              <a:t>3.1. Các hàm X thông dụng - SUMX</a:t>
+              <a:t>4.1. Các hàm X thông dụng - SUMX</a:t>
             </a:r>
           </a:p>
         </p:txBody>
@@ -18625,7 +18625,7 @@
                   <a:schemeClr val="bg1"/>
                 </a:solidFill>
               </a:rPr>
-              <a:t>3.2. Các hàm X thông dụng – AVERAGEX, MINX, MAXX</a:t>
+              <a:t>4.2. Các hàm X thông dụng – AVERAGEX, MINX, MAXX</a:t>
             </a:r>
           </a:p>
         </p:txBody>
@@ -18811,7 +18811,7 @@
                   <a:schemeClr val="bg1"/>
                 </a:solidFill>
               </a:rPr>
-              <a:t>3.2. Các hàm thông thường hay sử dụng - COUNTROWS</a:t>
+              <a:t>4.2. Các hàm thông thường hay sử dụng - COUNTROWS</a:t>
             </a:r>
           </a:p>
         </p:txBody>
@@ -19052,7 +19052,7 @@
                   <a:schemeClr val="bg1"/>
                 </a:solidFill>
               </a:rPr>
-              <a:t>3.2. Các hàm thông thường hay sử dụng - DISTINCTCOUNT</a:t>
+              <a:t>4.2. Các hàm thông thường hay sử dụng - DISTINCTCOUNT</a:t>
             </a:r>
           </a:p>
         </p:txBody>

--- a/Training DKSH.pptx
+++ b/Training DKSH.pptx
@@ -275,7 +275,7 @@
           <a:p>
             <a:fld id="{4FE29A24-C6A1-4709-BC38-2DDCB4747FFE}" type="datetimeFigureOut">
               <a:rPr lang="en-US" smtClean="0"/>
-              <a:t>8/17/2023</a:t>
+              <a:t>8/18/2023</a:t>
             </a:fld>
             <a:endParaRPr lang="en-US"/>
           </a:p>

--- a/Training DKSH.pptx
+++ b/Training DKSH.pptx
@@ -456,7 +456,7 @@
           <a:p>
             <a:fld id="{A6F3A845-D9AF-4DA2-A242-33EC7CD9BD1C}" type="datetimeFigureOut">
               <a:rPr lang="en-US" smtClean="0"/>
-              <a:t>8/17/2023</a:t>
+              <a:t>8/18/2023</a:t>
             </a:fld>
             <a:endParaRPr lang="en-US"/>
           </a:p>
@@ -4287,7 +4287,7 @@
           <a:p>
             <a:fld id="{F35B4666-2666-4423-87A7-ABE39A935348}" type="datetime1">
               <a:rPr lang="en-US" smtClean="0"/>
-              <a:t>8/17/2023</a:t>
+              <a:t>8/18/2023</a:t>
             </a:fld>
             <a:endParaRPr lang="en-US"/>
           </a:p>
@@ -4460,7 +4460,7 @@
           <a:p>
             <a:fld id="{5174D0A8-D9A9-4046-A6A9-1E49124F0CEA}" type="datetime1">
               <a:rPr lang="en-US" smtClean="0"/>
-              <a:t>8/17/2023</a:t>
+              <a:t>8/18/2023</a:t>
             </a:fld>
             <a:endParaRPr lang="en-US"/>
           </a:p>
@@ -4643,7 +4643,7 @@
           <a:p>
             <a:fld id="{14D7CEA5-7764-499B-AE0E-8CC2DDA282AA}" type="datetime1">
               <a:rPr lang="en-US" smtClean="0"/>
-              <a:t>8/17/2023</a:t>
+              <a:t>8/18/2023</a:t>
             </a:fld>
             <a:endParaRPr lang="en-US"/>
           </a:p>
@@ -4816,7 +4816,7 @@
           <a:p>
             <a:fld id="{B3C5EC6D-0E00-40D0-88D0-05D8D84EA32C}" type="datetime1">
               <a:rPr lang="en-US" smtClean="0"/>
-              <a:t>8/17/2023</a:t>
+              <a:t>8/18/2023</a:t>
             </a:fld>
             <a:endParaRPr lang="en-US"/>
           </a:p>
@@ -5065,7 +5065,7 @@
           <a:p>
             <a:fld id="{FBDA8AC2-F83F-4621-B77D-5EE741441B5A}" type="datetime1">
               <a:rPr lang="en-US" smtClean="0"/>
-              <a:t>8/17/2023</a:t>
+              <a:t>8/18/2023</a:t>
             </a:fld>
             <a:endParaRPr lang="en-US"/>
           </a:p>
@@ -5300,7 +5300,7 @@
           <a:p>
             <a:fld id="{01B671AA-2276-4EB7-A3C1-75B08A6A6A32}" type="datetime1">
               <a:rPr lang="en-US" smtClean="0"/>
-              <a:t>8/17/2023</a:t>
+              <a:t>8/18/2023</a:t>
             </a:fld>
             <a:endParaRPr lang="en-US"/>
           </a:p>
@@ -5670,7 +5670,7 @@
           <a:p>
             <a:fld id="{6C78B1E5-67F5-4CDB-A803-7031D05900BD}" type="datetime1">
               <a:rPr lang="en-US" smtClean="0"/>
-              <a:t>8/17/2023</a:t>
+              <a:t>8/18/2023</a:t>
             </a:fld>
             <a:endParaRPr lang="en-US"/>
           </a:p>
@@ -5791,7 +5791,7 @@
           <a:p>
             <a:fld id="{3E35E666-122D-4E3B-915F-42619334EE9F}" type="datetime1">
               <a:rPr lang="en-US" smtClean="0"/>
-              <a:t>8/17/2023</a:t>
+              <a:t>8/18/2023</a:t>
             </a:fld>
             <a:endParaRPr lang="en-US"/>
           </a:p>
@@ -5889,7 +5889,7 @@
           <a:p>
             <a:fld id="{4AEF5BCC-1EA8-405D-A2DB-AC7356761E0C}" type="datetime1">
               <a:rPr lang="en-US" smtClean="0"/>
-              <a:t>8/17/2023</a:t>
+              <a:t>8/18/2023</a:t>
             </a:fld>
             <a:endParaRPr lang="en-US"/>
           </a:p>
@@ -6169,7 +6169,7 @@
           <a:p>
             <a:fld id="{B14EB721-8B48-4E00-B31F-C9E9BDF472B0}" type="datetime1">
               <a:rPr lang="en-US" smtClean="0"/>
-              <a:t>8/17/2023</a:t>
+              <a:t>8/18/2023</a:t>
             </a:fld>
             <a:endParaRPr lang="en-US"/>
           </a:p>
@@ -6429,7 +6429,7 @@
           <a:p>
             <a:fld id="{8900E883-D510-43A4-AC02-830985A0789A}" type="datetime1">
               <a:rPr lang="en-US" smtClean="0"/>
-              <a:t>8/17/2023</a:t>
+              <a:t>8/18/2023</a:t>
             </a:fld>
             <a:endParaRPr lang="en-US"/>
           </a:p>
@@ -6645,7 +6645,7 @@
           <a:p>
             <a:fld id="{D52DE77B-6495-4C64-BA4A-39809FD4A467}" type="datetime1">
               <a:rPr lang="en-US" smtClean="0"/>
-              <a:t>8/17/2023</a:t>
+              <a:t>8/18/2023</a:t>
             </a:fld>
             <a:endParaRPr lang="en-US"/>
           </a:p>
